--- a/2018-04-01847.pptx
+++ b/2018-04-01847.pptx
@@ -13,6 +13,7 @@
     <p:sldId id="262" r:id="rId7"/>
     <p:sldId id="263" r:id="rId8"/>
     <p:sldId id="264" r:id="rId9"/>
+    <p:sldId id="266" r:id="rId10"/>
   </p:sldIdLst>
   <p:sldSz cx="12192000" cy="6858000"/>
   <p:notesSz cx="6858000" cy="9144000"/>
@@ -122,7 +123,7 @@
 <file path=ppt/revisionInfo.xml><?xml version="1.0" encoding="utf-8"?>
 <p1510:revInfo xmlns:a="http://schemas.openxmlformats.org/drawingml/2006/main" xmlns:r="http://schemas.openxmlformats.org/officeDocument/2006/relationships" xmlns:p1510="http://schemas.microsoft.com/office/powerpoint/2015/10/main">
   <p1510:revLst>
-    <p1510:client id="{410C0391-781A-49C2-9229-5287AF370E38}" v="920" dt="2021-05-19T18:29:50.954"/>
+    <p1510:client id="{410C0391-781A-49C2-9229-5287AF370E38}" v="929" dt="2021-05-19T18:49:20.123"/>
     <p1510:client id="{65C75354-359F-40EF-B7FD-DA959535CB42}" v="2858" dt="2021-05-19T17:50:32.077"/>
     <p1510:client id="{D72B1437-ADE0-43FE-A8EB-E4D8366B16CE}" v="29" dt="2021-05-19T09:29:54.243"/>
   </p1510:revLst>
@@ -12906,6 +12907,78 @@
 </p:sld>
 </file>
 
+<file path=ppt/slides/slide9.xml><?xml version="1.0" encoding="utf-8"?>
+<p:sld xmlns:a="http://schemas.openxmlformats.org/drawingml/2006/main" xmlns:r="http://schemas.openxmlformats.org/officeDocument/2006/relationships" xmlns:p="http://schemas.openxmlformats.org/presentationml/2006/main">
+  <p:cSld>
+    <p:spTree>
+      <p:nvGrpSpPr>
+        <p:cNvPr id="1" name=""/>
+        <p:cNvGrpSpPr/>
+        <p:nvPr/>
+      </p:nvGrpSpPr>
+      <p:grpSpPr>
+        <a:xfrm>
+          <a:off x="0" y="0"/>
+          <a:ext cx="0" cy="0"/>
+          <a:chOff x="0" y="0"/>
+          <a:chExt cx="0" cy="0"/>
+        </a:xfrm>
+      </p:grpSpPr>
+      <p:pic>
+        <p:nvPicPr>
+          <p:cNvPr id="4" name="Picture 4" descr="Shape&#10;&#10;Description automatically generated">
+            <a:extLst>
+              <a:ext uri="{FF2B5EF4-FFF2-40B4-BE49-F238E27FC236}">
+                <a16:creationId xmlns:a16="http://schemas.microsoft.com/office/drawing/2014/main" id="{81C695F8-49A2-4DBE-B56D-417574D0A35E}"/>
+              </a:ext>
+            </a:extLst>
+          </p:cNvPr>
+          <p:cNvPicPr>
+            <a:picLocks noChangeAspect="1"/>
+          </p:cNvPicPr>
+          <p:nvPr/>
+        </p:nvPicPr>
+        <p:blipFill>
+          <a:blip r:embed="rId2"/>
+          <a:stretch>
+            <a:fillRect/>
+          </a:stretch>
+        </p:blipFill>
+        <p:spPr>
+          <a:xfrm>
+            <a:off x="3282044" y="2045821"/>
+            <a:ext cx="5627912" cy="4127073"/>
+          </a:xfrm>
+          <a:prstGeom prst="rect">
+            <a:avLst/>
+          </a:prstGeom>
+        </p:spPr>
+      </p:pic>
+    </p:spTree>
+    <p:extLst>
+      <p:ext uri="{BB962C8B-B14F-4D97-AF65-F5344CB8AC3E}">
+        <p14:creationId xmlns:p14="http://schemas.microsoft.com/office/powerpoint/2010/main" val="1836021199"/>
+      </p:ext>
+    </p:extLst>
+  </p:cSld>
+  <p:clrMapOvr>
+    <a:masterClrMapping/>
+  </p:clrMapOvr>
+  <mc:AlternateContent xmlns:mc="http://schemas.openxmlformats.org/markup-compatibility/2006" xmlns:p14="http://schemas.microsoft.com/office/powerpoint/2010/main">
+    <mc:Choice Requires="p14">
+      <p:transition spd="med" p14:dur="700">
+        <p:fade/>
+      </p:transition>
+    </mc:Choice>
+    <mc:Fallback xmlns="">
+      <p:transition spd="med">
+        <p:fade/>
+      </p:transition>
+    </mc:Fallback>
+  </mc:AlternateContent>
+</p:sld>
+</file>
+
 <file path=ppt/tags/tag1.xml><?xml version="1.0" encoding="utf-8"?>
 <p:tagLst xmlns:a="http://schemas.openxmlformats.org/drawingml/2006/main" xmlns:r="http://schemas.openxmlformats.org/officeDocument/2006/relationships" xmlns:p="http://schemas.openxmlformats.org/presentationml/2006/main">
   <p:tag name="SHAPE_LOCKS" val="1983"/>
